--- a/www/需求/ERP需求说明.pptx
+++ b/www/需求/ERP需求说明.pptx
@@ -4720,8 +4720,8 @@
         </p:blipFill>
         <p:spPr>
           <a:xfrm>
-            <a:off x="510540" y="1250950"/>
-            <a:ext cx="8077835" cy="5071110"/>
+            <a:off x="1021080" y="1205230"/>
+            <a:ext cx="7917815" cy="4657090"/>
           </a:xfrm>
           <a:prstGeom prst="rect">
             <a:avLst/>
@@ -4781,7 +4781,7 @@
         </p:nvSpPr>
         <p:spPr>
           <a:xfrm>
-            <a:off x="254635" y="824865"/>
+            <a:off x="254635" y="836930"/>
             <a:ext cx="4677410" cy="368300"/>
           </a:xfrm>
           <a:prstGeom prst="rect">
@@ -4795,14 +4795,44 @@
           </a:bodyPr>
           <a:p>
             <a:r>
-              <a:rPr lang="en-US" altLang="zh-CN"/>
+              <a:rPr lang="en-US" altLang="zh-CN" b="1"/>
               <a:t>1.</a:t>
             </a:r>
             <a:r>
-              <a:rPr lang="zh-CN" altLang="en-US"/>
+              <a:rPr lang="zh-CN" altLang="en-US" b="1"/>
               <a:t>业务流程</a:t>
             </a:r>
-            <a:endParaRPr lang="zh-CN" altLang="en-US"/>
+            <a:endParaRPr lang="zh-CN" altLang="en-US" b="1"/>
+          </a:p>
+        </p:txBody>
+      </p:sp>
+      <p:sp>
+        <p:nvSpPr>
+          <p:cNvPr id="6" name="文本框 5"/>
+          <p:cNvSpPr txBox="1"/>
+          <p:nvPr/>
+        </p:nvSpPr>
+        <p:spPr>
+          <a:xfrm>
+            <a:off x="533400" y="5850255"/>
+            <a:ext cx="8077200" cy="275590"/>
+          </a:xfrm>
+          <a:prstGeom prst="rect">
+            <a:avLst/>
+          </a:prstGeom>
+          <a:noFill/>
+        </p:spPr>
+        <p:txBody>
+          <a:bodyPr wrap="square" rtlCol="0">
+            <a:spAutoFit/>
+          </a:bodyPr>
+          <a:p>
+            <a:pPr algn="ctr"/>
+            <a:r>
+              <a:rPr lang="zh-CN" altLang="en-US" sz="1200"/>
+              <a:t>业务流程图</a:t>
+            </a:r>
+            <a:endParaRPr lang="zh-CN" altLang="en-US" sz="1200"/>
           </a:p>
         </p:txBody>
       </p:sp>
@@ -4898,20 +4928,50 @@
           </a:bodyPr>
           <a:p>
             <a:r>
-              <a:rPr lang="en-US" altLang="zh-CN"/>
+              <a:rPr lang="en-US" altLang="zh-CN" b="1"/>
               <a:t>2.</a:t>
             </a:r>
             <a:r>
-              <a:rPr lang="zh-CN" altLang="en-US"/>
+              <a:rPr lang="zh-CN" altLang="en-US" b="1"/>
               <a:t>系统结构</a:t>
             </a:r>
-            <a:endParaRPr lang="zh-CN" altLang="en-US"/>
+            <a:endParaRPr lang="zh-CN" altLang="en-US" b="1"/>
+          </a:p>
+        </p:txBody>
+      </p:sp>
+      <p:sp>
+        <p:nvSpPr>
+          <p:cNvPr id="6" name="文本框 5"/>
+          <p:cNvSpPr txBox="1"/>
+          <p:nvPr/>
+        </p:nvSpPr>
+        <p:spPr>
+          <a:xfrm>
+            <a:off x="511175" y="5212715"/>
+            <a:ext cx="8077200" cy="275590"/>
+          </a:xfrm>
+          <a:prstGeom prst="rect">
+            <a:avLst/>
+          </a:prstGeom>
+          <a:noFill/>
+        </p:spPr>
+        <p:txBody>
+          <a:bodyPr wrap="square" rtlCol="0">
+            <a:spAutoFit/>
+          </a:bodyPr>
+          <a:p>
+            <a:pPr algn="ctr"/>
+            <a:r>
+              <a:rPr lang="zh-CN" altLang="en-US" sz="1200"/>
+              <a:t>系统结构图</a:t>
+            </a:r>
+            <a:endParaRPr lang="zh-CN" altLang="en-US" sz="1200"/>
           </a:p>
         </p:txBody>
       </p:sp>
       <p:pic>
         <p:nvPicPr>
-          <p:cNvPr id="9" name="内容占位符 8" descr="系统结构图"/>
+          <p:cNvPr id="7" name="内容占位符 6" descr="结构结构图"/>
           <p:cNvPicPr>
             <a:picLocks noChangeAspect="1"/>
           </p:cNvPicPr>
@@ -4927,8 +4987,8 @@
         </p:blipFill>
         <p:spPr>
           <a:xfrm>
-            <a:off x="478790" y="1829435"/>
-            <a:ext cx="8185785" cy="3360420"/>
+            <a:off x="254635" y="1591945"/>
+            <a:ext cx="8712835" cy="3567430"/>
           </a:xfrm>
           <a:prstGeom prst="rect">
             <a:avLst/>
@@ -5027,14 +5087,14 @@
           </a:bodyPr>
           <a:p>
             <a:r>
-              <a:rPr lang="en-US" altLang="zh-CN"/>
+              <a:rPr lang="en-US" altLang="zh-CN" b="1"/>
               <a:t>3.</a:t>
             </a:r>
             <a:r>
-              <a:rPr lang="zh-CN" altLang="en-US"/>
+              <a:rPr lang="zh-CN" altLang="en-US" b="1"/>
               <a:t>系统权限控制</a:t>
             </a:r>
-            <a:endParaRPr lang="zh-CN" altLang="en-US"/>
+            <a:endParaRPr lang="zh-CN" altLang="en-US" b="1"/>
           </a:p>
         </p:txBody>
       </p:sp>
@@ -5056,7 +5116,7 @@
         </p:blipFill>
         <p:spPr>
           <a:xfrm>
-            <a:off x="598805" y="1873885"/>
+            <a:off x="583565" y="1363345"/>
             <a:ext cx="7733030" cy="3583940"/>
           </a:xfrm>
           <a:prstGeom prst="rect">
@@ -5064,6 +5124,91 @@
           </a:prstGeom>
         </p:spPr>
       </p:pic>
+      <p:sp>
+        <p:nvSpPr>
+          <p:cNvPr id="5" name="文本框 4"/>
+          <p:cNvSpPr txBox="1"/>
+          <p:nvPr/>
+        </p:nvSpPr>
+        <p:spPr>
+          <a:xfrm>
+            <a:off x="428625" y="5245100"/>
+            <a:ext cx="7887970" cy="737235"/>
+          </a:xfrm>
+          <a:prstGeom prst="rect">
+            <a:avLst/>
+          </a:prstGeom>
+          <a:noFill/>
+        </p:spPr>
+        <p:txBody>
+          <a:bodyPr wrap="square" rtlCol="0">
+            <a:spAutoFit/>
+          </a:bodyPr>
+          <a:p>
+            <a:r>
+              <a:rPr lang="zh-CN" altLang="en-US" sz="1400" b="1" smtClean="0">
+                <a:latin typeface="Times New Roman" panose="02020603050405020304" pitchFamily="18" charset="0"/>
+                <a:ea typeface="黑体" panose="02010609060101010101" pitchFamily="49" charset="-122"/>
+                <a:cs typeface="+mj-cs"/>
+                <a:sym typeface="+mn-ea"/>
+              </a:rPr>
+              <a:t>权限说明：</a:t>
+            </a:r>
+            <a:endParaRPr lang="zh-CN" altLang="en-US" sz="1400" b="1" smtClean="0">
+              <a:latin typeface="Times New Roman" panose="02020603050405020304" pitchFamily="18" charset="0"/>
+              <a:ea typeface="黑体" panose="02010609060101010101" pitchFamily="49" charset="-122"/>
+              <a:cs typeface="+mj-cs"/>
+              <a:sym typeface="+mn-ea"/>
+            </a:endParaRPr>
+          </a:p>
+          <a:p>
+            <a:r>
+              <a:rPr lang="zh-CN" altLang="en-US" sz="1400" b="1" smtClean="0">
+                <a:latin typeface="Times New Roman" panose="02020603050405020304" pitchFamily="18" charset="0"/>
+                <a:ea typeface="黑体" panose="02010609060101010101" pitchFamily="49" charset="-122"/>
+                <a:cs typeface="+mj-cs"/>
+                <a:sym typeface="+mn-ea"/>
+              </a:rPr>
+              <a:t>       管理员在添加用户时可对该用户设置特有系统权限。管理员可在用户管理模块中对该用户的权限进行修改。</a:t>
+            </a:r>
+            <a:endParaRPr lang="zh-CN" altLang="en-US" sz="1400" b="1" smtClean="0">
+              <a:latin typeface="Times New Roman" panose="02020603050405020304" pitchFamily="18" charset="0"/>
+              <a:ea typeface="黑体" panose="02010609060101010101" pitchFamily="49" charset="-122"/>
+              <a:cs typeface="+mj-cs"/>
+            </a:endParaRPr>
+          </a:p>
+        </p:txBody>
+      </p:sp>
+      <p:sp>
+        <p:nvSpPr>
+          <p:cNvPr id="6" name="文本框 5"/>
+          <p:cNvSpPr txBox="1"/>
+          <p:nvPr/>
+        </p:nvSpPr>
+        <p:spPr>
+          <a:xfrm>
+            <a:off x="511175" y="4997450"/>
+            <a:ext cx="8077200" cy="275590"/>
+          </a:xfrm>
+          <a:prstGeom prst="rect">
+            <a:avLst/>
+          </a:prstGeom>
+          <a:noFill/>
+        </p:spPr>
+        <p:txBody>
+          <a:bodyPr wrap="square" rtlCol="0">
+            <a:spAutoFit/>
+          </a:bodyPr>
+          <a:p>
+            <a:pPr algn="ctr"/>
+            <a:r>
+              <a:rPr lang="zh-CN" altLang="en-US" sz="1200"/>
+              <a:t>普通用户系统权限图</a:t>
+            </a:r>
+            <a:endParaRPr lang="zh-CN" altLang="en-US" sz="1200"/>
+          </a:p>
+        </p:txBody>
+      </p:sp>
     </p:spTree>
   </p:cSld>
   <p:clrMapOvr>
@@ -5178,7 +5323,7 @@
             </a:pPr>
             <a:r>
               <a:rPr lang="zh-CN" altLang="en-US" sz="1400"/>
-              <a:t>2:权限控制信息，管理员添加用户时给指定用户设置的指定权限。</a:t>
+              <a:t>2:权限控制信息，管理员添加用户时给指定用户设置的指定权限。可在用户管理模块对该用户权限进行修改。</a:t>
             </a:r>
             <a:endParaRPr lang="zh-CN" altLang="en-US" sz="1400"/>
           </a:p>
@@ -17555,14 +17700,44 @@
           </a:bodyPr>
           <a:p>
             <a:r>
-              <a:rPr lang="en-US" altLang="zh-CN"/>
+              <a:rPr lang="en-US" altLang="zh-CN" b="1"/>
               <a:t>4.</a:t>
             </a:r>
             <a:r>
-              <a:rPr lang="zh-CN" altLang="en-US"/>
+              <a:rPr lang="zh-CN" altLang="en-US" b="1"/>
               <a:t>信息权限控制</a:t>
             </a:r>
-            <a:endParaRPr lang="zh-CN" altLang="en-US"/>
+            <a:endParaRPr lang="zh-CN" altLang="en-US" b="1"/>
+          </a:p>
+        </p:txBody>
+      </p:sp>
+      <p:sp>
+        <p:nvSpPr>
+          <p:cNvPr id="6" name="文本框 5"/>
+          <p:cNvSpPr txBox="1"/>
+          <p:nvPr/>
+        </p:nvSpPr>
+        <p:spPr>
+          <a:xfrm>
+            <a:off x="2724150" y="896620"/>
+            <a:ext cx="6187440" cy="275590"/>
+          </a:xfrm>
+          <a:prstGeom prst="rect">
+            <a:avLst/>
+          </a:prstGeom>
+          <a:noFill/>
+        </p:spPr>
+        <p:txBody>
+          <a:bodyPr wrap="square" rtlCol="0">
+            <a:spAutoFit/>
+          </a:bodyPr>
+          <a:p>
+            <a:pPr algn="ctr"/>
+            <a:r>
+              <a:rPr lang="zh-CN" altLang="en-US" sz="1200"/>
+              <a:t>物料信息表</a:t>
+            </a:r>
+            <a:endParaRPr lang="zh-CN" altLang="en-US" sz="1200"/>
           </a:p>
         </p:txBody>
       </p:sp>
@@ -17612,31 +17787,31 @@
           <a:lstStyle/>
           <a:p>
             <a:r>
-              <a:rPr lang="zh-CN" altLang="en-US"/>
+              <a:rPr lang="zh-CN" altLang="en-US" sz="1800"/>
               <a:t>1. 开单日期，填单日期精确到日；</a:t>
             </a:r>
-            <a:endParaRPr lang="zh-CN" altLang="en-US"/>
+            <a:endParaRPr lang="zh-CN" altLang="en-US" sz="1800"/>
           </a:p>
           <a:p>
             <a:r>
-              <a:rPr lang="zh-CN" altLang="en-US"/>
+              <a:rPr lang="zh-CN" altLang="en-US" sz="1800"/>
               <a:t>2. 单价，货款精确到小数点后三位；</a:t>
             </a:r>
-            <a:endParaRPr lang="zh-CN" altLang="en-US"/>
+            <a:endParaRPr lang="zh-CN" altLang="en-US" sz="1800"/>
           </a:p>
           <a:p>
             <a:r>
-              <a:rPr lang="zh-CN" altLang="en-US"/>
+              <a:rPr lang="zh-CN" altLang="en-US" sz="1800"/>
               <a:t>3. 物料编码，供应商编号，项目编号，编号长度为最长8位；</a:t>
             </a:r>
-            <a:endParaRPr lang="zh-CN" altLang="en-US"/>
+            <a:endParaRPr lang="zh-CN" altLang="en-US" sz="1800"/>
           </a:p>
           <a:p>
             <a:r>
-              <a:rPr lang="zh-CN" altLang="en-US"/>
+              <a:rPr lang="zh-CN" altLang="en-US" sz="1800"/>
               <a:t>4. 登录名不含特殊字符，密码长度为6-16。</a:t>
             </a:r>
-            <a:endParaRPr lang="zh-CN" altLang="en-US"/>
+            <a:endParaRPr lang="zh-CN" altLang="en-US" sz="1800"/>
           </a:p>
         </p:txBody>
       </p:sp>
@@ -17704,51 +17879,37 @@
         <p:txBody>
           <a:bodyPr wrap="square" rtlCol="0">
             <a:spAutoFit/>
+            <a:scene3d>
+              <a:camera prst="orthographicFront"/>
+              <a:lightRig rig="threePt" dir="t"/>
+            </a:scene3d>
           </a:bodyPr>
           <a:p>
             <a:r>
-              <a:rPr lang="en-US">
+              <a:rPr lang="en-US" b="1">
                 <a:solidFill>
                   <a:schemeClr val="tx1"/>
                 </a:solidFill>
-                <a:effectLst>
-                  <a:outerShdw blurRad="38100" dist="19050" dir="2700000" algn="tl" rotWithShape="0">
-                    <a:schemeClr val="dk1">
-                      <a:alpha val="40000"/>
-                    </a:schemeClr>
-                  </a:outerShdw>
-                </a:effectLst>
+                <a:effectLst/>
                 <a:sym typeface="+mn-ea"/>
               </a:rPr>
               <a:t>1.</a:t>
             </a:r>
             <a:r>
-              <a:rPr>
+              <a:rPr b="1">
                 <a:solidFill>
                   <a:schemeClr val="tx1"/>
                 </a:solidFill>
-                <a:effectLst>
-                  <a:outerShdw blurRad="38100" dist="19050" dir="2700000" algn="tl" rotWithShape="0">
-                    <a:schemeClr val="dk1">
-                      <a:alpha val="40000"/>
-                    </a:schemeClr>
-                  </a:outerShdw>
-                </a:effectLst>
+                <a:effectLst/>
                 <a:sym typeface="+mn-ea"/>
               </a:rPr>
               <a:t>数据精确度</a:t>
             </a:r>
-            <a:endParaRPr lang="zh-CN" altLang="en-US">
+            <a:endParaRPr lang="zh-CN" altLang="en-US" b="1">
               <a:solidFill>
                 <a:schemeClr val="tx1"/>
               </a:solidFill>
-              <a:effectLst>
-                <a:outerShdw blurRad="38100" dist="19050" dir="2700000" algn="tl" rotWithShape="0">
-                  <a:schemeClr val="dk1">
-                    <a:alpha val="40000"/>
-                  </a:schemeClr>
-                </a:outerShdw>
-              </a:effectLst>
+              <a:effectLst/>
               <a:sym typeface="+mn-ea"/>
             </a:endParaRPr>
           </a:p>
